--- a/spring-framework-and-spring-boot.pptx
+++ b/spring-framework-and-spring-boot.pptx
@@ -7,9 +7,12 @@
   <p:sldIdLst>
     <p:sldId id="256" r:id="rId2"/>
     <p:sldId id="257" r:id="rId3"/>
-    <p:sldId id="258" r:id="rId4"/>
-    <p:sldId id="259" r:id="rId5"/>
-    <p:sldId id="260" r:id="rId6"/>
+    <p:sldId id="263" r:id="rId4"/>
+    <p:sldId id="258" r:id="rId5"/>
+    <p:sldId id="259" r:id="rId6"/>
+    <p:sldId id="260" r:id="rId7"/>
+    <p:sldId id="261" r:id="rId8"/>
+    <p:sldId id="262" r:id="rId9"/>
   </p:sldIdLst>
   <p:sldSz cx="12192000" cy="6858000"/>
   <p:notesSz cx="6858000" cy="9144000"/>
@@ -108,6 +111,11 @@
       </a:defRPr>
     </a:lvl9pPr>
   </p:defaultTextStyle>
+  <p:extLst>
+    <p:ext uri="{EFAFB233-063F-42B5-8137-9DF3F51BA10A}">
+      <p15:sldGuideLst xmlns:p15="http://schemas.microsoft.com/office/powerpoint/2012/main"/>
+    </p:ext>
+  </p:extLst>
 </p:presentation>
 </file>
 
@@ -3585,7 +3593,7 @@
           <p:cNvPr id="2" name="Title 1">
             <a:extLst>
               <a:ext uri="{FF2B5EF4-FFF2-40B4-BE49-F238E27FC236}">
-                <a16:creationId xmlns:a16="http://schemas.microsoft.com/office/drawing/2014/main" id="{064A423A-CB4C-DC00-3058-00FA9B473C0E}"/>
+                <a16:creationId xmlns:a16="http://schemas.microsoft.com/office/drawing/2014/main" id="{46D927CD-9B10-86C3-2A02-01C60E5D256C}"/>
               </a:ext>
             </a:extLst>
           </p:cNvPr>
@@ -3603,7 +3611,7 @@
           <a:p>
             <a:r>
               <a:rPr lang="en-US" dirty="0"/>
-              <a:t>Inversion of Control (IoC)</a:t>
+              <a:t>Spring Web</a:t>
             </a:r>
           </a:p>
         </p:txBody>
@@ -3613,7 +3621,7 @@
           <p:cNvPr id="3" name="Content Placeholder 2">
             <a:extLst>
               <a:ext uri="{FF2B5EF4-FFF2-40B4-BE49-F238E27FC236}">
-                <a16:creationId xmlns:a16="http://schemas.microsoft.com/office/drawing/2014/main" id="{B3A85263-D100-FB61-B92B-29ADF0C570C6}"/>
+                <a16:creationId xmlns:a16="http://schemas.microsoft.com/office/drawing/2014/main" id="{D8F04367-0D4C-DCBA-A680-11302E7A53F0}"/>
               </a:ext>
             </a:extLst>
           </p:cNvPr>
@@ -3627,99 +3635,119 @@
         <p:spPr/>
         <p:txBody>
           <a:bodyPr>
-            <a:normAutofit fontScale="77500" lnSpcReduction="20000"/>
+            <a:normAutofit fontScale="70000" lnSpcReduction="20000"/>
           </a:bodyPr>
           <a:lstStyle/>
           <a:p>
             <a:r>
               <a:rPr lang="en-US" dirty="0"/>
-              <a:t>IoC is a design principle that inverts the control flow of an application</a:t>
+              <a:t>Spring Web is a dependency that we can include into our Spring Boot project that enables the ability to create a web API</a:t>
+            </a:r>
+          </a:p>
+          <a:p>
+            <a:r>
+              <a:rPr lang="en-US" dirty="0"/>
+              <a:t>Spring Web provides the @Controller and @RestController annotations so that we can map endpoints within our controller classes</a:t>
+            </a:r>
+          </a:p>
+          <a:p>
+            <a:r>
+              <a:rPr lang="en-US" dirty="0"/>
+              <a:t>There are many annotations that we can utilize when configuring our endpoints</a:t>
             </a:r>
           </a:p>
           <a:p>
             <a:pPr lvl="1"/>
             <a:r>
               <a:rPr lang="en-US" dirty="0"/>
-              <a:t>In traditional application development, objects are responsible for creating and managing their own dependencies</a:t>
+              <a:t>@RequestMapping</a:t>
+            </a:r>
+          </a:p>
+          <a:p>
+            <a:pPr lvl="2"/>
+            <a:r>
+              <a:rPr lang="en-US" dirty="0"/>
+              <a:t>@GetMapping</a:t>
+            </a:r>
+          </a:p>
+          <a:p>
+            <a:pPr lvl="2"/>
+            <a:r>
+              <a:rPr lang="en-US" dirty="0"/>
+              <a:t>@PostMapping</a:t>
+            </a:r>
+          </a:p>
+          <a:p>
+            <a:pPr lvl="2"/>
+            <a:r>
+              <a:rPr lang="en-US" dirty="0"/>
+              <a:t>@DeleteMapping</a:t>
+            </a:r>
+          </a:p>
+          <a:p>
+            <a:pPr lvl="2"/>
+            <a:r>
+              <a:rPr lang="en-US" dirty="0"/>
+              <a:t>@PutMapping</a:t>
+            </a:r>
+          </a:p>
+          <a:p>
+            <a:pPr lvl="2"/>
+            <a:r>
+              <a:rPr lang="en-US" dirty="0"/>
+              <a:t>@PatchMapping</a:t>
             </a:r>
           </a:p>
           <a:p>
             <a:pPr lvl="1"/>
             <a:r>
               <a:rPr lang="en-US" dirty="0"/>
-              <a:t>However, with IoC, the responsibility of creating and managing dependencies is shifted from the objects themselves to an external entity, typically a framework or container</a:t>
+              <a:t>@PathVariable: path parameters</a:t>
             </a:r>
           </a:p>
           <a:p>
             <a:pPr lvl="1"/>
             <a:r>
               <a:rPr lang="en-US" dirty="0"/>
-              <a:t>This inversion helps in creating </a:t>
+              <a:t>@RequestParam: query parameters (?</a:t>
+            </a:r>
+            <a:r>
+              <a:rPr lang="en-US" dirty="0" err="1"/>
+              <a:t>myQueryParameter</a:t>
+            </a:r>
+            <a:r>
+              <a:rPr lang="en-US" dirty="0"/>
+              <a:t>=10&amp;mySecondQueryParameter=20)</a:t>
+            </a:r>
+          </a:p>
+          <a:p>
+            <a:pPr lvl="1"/>
+            <a:r>
+              <a:rPr lang="en-US" dirty="0"/>
+              <a:t>@RequestBody: used to take the request body JSON and map it to an object in the method parameter section</a:t>
+            </a:r>
+          </a:p>
+          <a:p>
+            <a:pPr lvl="1"/>
+            <a:r>
+              <a:rPr lang="en-US" dirty="0"/>
+              <a:t>@ResponseBody: placed to the left of the return type. It is used to convert the return type into JSON for the response body. </a:t>
             </a:r>
             <a:r>
               <a:rPr lang="en-US" b="1" dirty="0"/>
-              <a:t>loosely coupled</a:t>
-            </a:r>
-            <a:r>
-              <a:rPr lang="en-US" dirty="0"/>
-              <a:t> code, making it easier to maintain, extend, and test the application</a:t>
-            </a:r>
-          </a:p>
-          <a:p>
-            <a:r>
-              <a:rPr lang="en-US" dirty="0"/>
-              <a:t>In Spring Framework, the IoC container is responsible for managing the application’s objects, their lifecycle, and their dependencies. The container creates, configures, and assembles the objects and ensures they are available for use throughout the application</a:t>
+              <a:t>If we use @RestController, it is not required because @RestController adds it automatically</a:t>
             </a:r>
           </a:p>
           <a:p>
             <a:pPr lvl="1"/>
-            <a:r>
-              <a:rPr lang="en-US" dirty="0"/>
-              <a:t>Spring’s IoC container is called “</a:t>
-            </a:r>
-            <a:r>
-              <a:rPr lang="en-US" dirty="0" err="1"/>
-              <a:t>ApplicationContext</a:t>
-            </a:r>
-            <a:r>
-              <a:rPr lang="en-US" dirty="0"/>
-              <a:t>”</a:t>
-            </a:r>
-          </a:p>
-          <a:p>
-            <a:pPr lvl="1"/>
-            <a:r>
-              <a:rPr lang="en-US" dirty="0"/>
-              <a:t>Dependency injection is used to inject objects contained inside the IoC container for use in other objects</a:t>
-            </a:r>
-          </a:p>
-          <a:p>
-            <a:pPr lvl="1"/>
-            <a:r>
-              <a:rPr lang="en-US" dirty="0"/>
-              <a:t>Objects managed by Spring are called </a:t>
-            </a:r>
-            <a:r>
-              <a:rPr lang="en-US" b="1" dirty="0"/>
-              <a:t>“Spring Beans”</a:t>
-            </a:r>
-          </a:p>
-          <a:p>
-            <a:r>
-              <a:rPr lang="en-US" dirty="0"/>
-              <a:t>Note: Not all objects need to be managed by Spring. Only classes that are configured to be managed by Spring will be considered </a:t>
-            </a:r>
-            <a:r>
-              <a:rPr lang="en-US" b="1" dirty="0"/>
-              <a:t>“Spring Beans”</a:t>
-            </a:r>
+            <a:endParaRPr lang="en-US" dirty="0"/>
           </a:p>
         </p:txBody>
       </p:sp>
     </p:spTree>
     <p:extLst>
       <p:ext uri="{BB962C8B-B14F-4D97-AF65-F5344CB8AC3E}">
-        <p14:creationId xmlns:p14="http://schemas.microsoft.com/office/powerpoint/2010/main" val="1758700657"/>
+        <p14:creationId xmlns:p14="http://schemas.microsoft.com/office/powerpoint/2010/main" val="1995211548"/>
       </p:ext>
     </p:extLst>
   </p:cSld>
@@ -3751,7 +3779,7 @@
           <p:cNvPr id="2" name="Title 1">
             <a:extLst>
               <a:ext uri="{FF2B5EF4-FFF2-40B4-BE49-F238E27FC236}">
-                <a16:creationId xmlns:a16="http://schemas.microsoft.com/office/drawing/2014/main" id="{E7B8AA8C-17A0-D807-081F-06F92C194DAF}"/>
+                <a16:creationId xmlns:a16="http://schemas.microsoft.com/office/drawing/2014/main" id="{064A423A-CB4C-DC00-3058-00FA9B473C0E}"/>
               </a:ext>
             </a:extLst>
           </p:cNvPr>
@@ -3769,7 +3797,7 @@
           <a:p>
             <a:r>
               <a:rPr lang="en-US" dirty="0"/>
-              <a:t>Dependency Injection</a:t>
+              <a:t>Inversion of Control (IoC)</a:t>
             </a:r>
           </a:p>
         </p:txBody>
@@ -3779,7 +3807,7 @@
           <p:cNvPr id="3" name="Content Placeholder 2">
             <a:extLst>
               <a:ext uri="{FF2B5EF4-FFF2-40B4-BE49-F238E27FC236}">
-                <a16:creationId xmlns:a16="http://schemas.microsoft.com/office/drawing/2014/main" id="{FC4F82BA-75B0-5D7E-120F-A5AF88C913C2}"/>
+                <a16:creationId xmlns:a16="http://schemas.microsoft.com/office/drawing/2014/main" id="{B3A85263-D100-FB61-B92B-29ADF0C570C6}"/>
               </a:ext>
             </a:extLst>
           </p:cNvPr>
@@ -3792,46 +3820,100 @@
         </p:nvSpPr>
         <p:spPr/>
         <p:txBody>
-          <a:bodyPr/>
-          <a:lstStyle/>
-          <a:p>
-            <a:r>
-              <a:rPr lang="en-US" dirty="0"/>
-              <a:t>DI is a technique used to implement IoC. It involves providing an object’s dependencies from an external source, instead of having the object instantiate its own dependencies. DI promotes separation of concerns, which makes the code more modular and testable</a:t>
-            </a:r>
-          </a:p>
-          <a:p>
-            <a:r>
-              <a:rPr lang="en-US" dirty="0"/>
-              <a:t>2 ways in Spring to perform DI</a:t>
+          <a:bodyPr>
+            <a:normAutofit fontScale="77500" lnSpcReduction="20000"/>
+          </a:bodyPr>
+          <a:lstStyle/>
+          <a:p>
+            <a:r>
+              <a:rPr lang="en-US" dirty="0"/>
+              <a:t>IoC is a design principle that inverts the control flow of an application</a:t>
             </a:r>
           </a:p>
           <a:p>
             <a:pPr lvl="1"/>
             <a:r>
               <a:rPr lang="en-US" dirty="0"/>
-              <a:t>Constructor injection: Dependencies are provided to an object at the time of its construction through its constructor</a:t>
+              <a:t>In traditional application development, objects are responsible for creating and managing their own dependencies</a:t>
             </a:r>
           </a:p>
           <a:p>
             <a:pPr lvl="1"/>
             <a:r>
               <a:rPr lang="en-US" dirty="0"/>
-              <a:t>Setter injection: Dependencies are provided to an object after it has already been constructed through its setter methods</a:t>
-            </a:r>
-          </a:p>
-          <a:p>
-            <a:pPr marL="0" indent="0">
-              <a:buNone/>
-            </a:pPr>
-            <a:endParaRPr lang="en-US" dirty="0"/>
+              <a:t>However, with IoC, the responsibility of creating and managing dependencies is shifted from the objects themselves to an external entity, typically a framework or container</a:t>
+            </a:r>
+          </a:p>
+          <a:p>
+            <a:pPr lvl="1"/>
+            <a:r>
+              <a:rPr lang="en-US" dirty="0"/>
+              <a:t>This inversion helps in creating </a:t>
+            </a:r>
+            <a:r>
+              <a:rPr lang="en-US" b="1" dirty="0"/>
+              <a:t>loosely coupled</a:t>
+            </a:r>
+            <a:r>
+              <a:rPr lang="en-US" dirty="0"/>
+              <a:t> code, making it easier to maintain, extend, and test the application</a:t>
+            </a:r>
+          </a:p>
+          <a:p>
+            <a:r>
+              <a:rPr lang="en-US" dirty="0"/>
+              <a:t>In Spring Framework, the IoC container is responsible for managing the application’s objects, their lifecycle, and their dependencies. The container creates, configures, and assembles the objects and ensures they are available for use throughout the application</a:t>
+            </a:r>
+          </a:p>
+          <a:p>
+            <a:pPr lvl="1"/>
+            <a:r>
+              <a:rPr lang="en-US" dirty="0"/>
+              <a:t>Spring’s IoC container is called “</a:t>
+            </a:r>
+            <a:r>
+              <a:rPr lang="en-US" dirty="0" err="1"/>
+              <a:t>ApplicationContext</a:t>
+            </a:r>
+            <a:r>
+              <a:rPr lang="en-US" dirty="0"/>
+              <a:t>”</a:t>
+            </a:r>
+          </a:p>
+          <a:p>
+            <a:pPr lvl="1"/>
+            <a:r>
+              <a:rPr lang="en-US" dirty="0"/>
+              <a:t>Dependency injection is used to inject objects contained inside the IoC container for use in other objects</a:t>
+            </a:r>
+          </a:p>
+          <a:p>
+            <a:pPr lvl="1"/>
+            <a:r>
+              <a:rPr lang="en-US" dirty="0"/>
+              <a:t>Objects managed by Spring are called </a:t>
+            </a:r>
+            <a:r>
+              <a:rPr lang="en-US" b="1" dirty="0"/>
+              <a:t>“Spring Beans”</a:t>
+            </a:r>
+          </a:p>
+          <a:p>
+            <a:r>
+              <a:rPr lang="en-US" dirty="0"/>
+              <a:t>Note: Not all objects need to be managed by Spring. Only classes that are configured to be managed by Spring will be considered </a:t>
+            </a:r>
+            <a:r>
+              <a:rPr lang="en-US" b="1" dirty="0"/>
+              <a:t>“Spring Beans”</a:t>
+            </a:r>
           </a:p>
         </p:txBody>
       </p:sp>
     </p:spTree>
     <p:extLst>
       <p:ext uri="{BB962C8B-B14F-4D97-AF65-F5344CB8AC3E}">
-        <p14:creationId xmlns:p14="http://schemas.microsoft.com/office/powerpoint/2010/main" val="4231549544"/>
+        <p14:creationId xmlns:p14="http://schemas.microsoft.com/office/powerpoint/2010/main" val="1758700657"/>
       </p:ext>
     </p:extLst>
   </p:cSld>
@@ -3863,6 +3945,118 @@
           <p:cNvPr id="2" name="Title 1">
             <a:extLst>
               <a:ext uri="{FF2B5EF4-FFF2-40B4-BE49-F238E27FC236}">
+                <a16:creationId xmlns:a16="http://schemas.microsoft.com/office/drawing/2014/main" id="{E7B8AA8C-17A0-D807-081F-06F92C194DAF}"/>
+              </a:ext>
+            </a:extLst>
+          </p:cNvPr>
+          <p:cNvSpPr>
+            <a:spLocks noGrp="1"/>
+          </p:cNvSpPr>
+          <p:nvPr>
+            <p:ph type="title"/>
+          </p:nvPr>
+        </p:nvSpPr>
+        <p:spPr/>
+        <p:txBody>
+          <a:bodyPr/>
+          <a:lstStyle/>
+          <a:p>
+            <a:r>
+              <a:rPr lang="en-US" dirty="0"/>
+              <a:t>Dependency Injection</a:t>
+            </a:r>
+          </a:p>
+        </p:txBody>
+      </p:sp>
+      <p:sp>
+        <p:nvSpPr>
+          <p:cNvPr id="3" name="Content Placeholder 2">
+            <a:extLst>
+              <a:ext uri="{FF2B5EF4-FFF2-40B4-BE49-F238E27FC236}">
+                <a16:creationId xmlns:a16="http://schemas.microsoft.com/office/drawing/2014/main" id="{FC4F82BA-75B0-5D7E-120F-A5AF88C913C2}"/>
+              </a:ext>
+            </a:extLst>
+          </p:cNvPr>
+          <p:cNvSpPr>
+            <a:spLocks noGrp="1"/>
+          </p:cNvSpPr>
+          <p:nvPr>
+            <p:ph idx="1"/>
+          </p:nvPr>
+        </p:nvSpPr>
+        <p:spPr/>
+        <p:txBody>
+          <a:bodyPr/>
+          <a:lstStyle/>
+          <a:p>
+            <a:r>
+              <a:rPr lang="en-US" dirty="0"/>
+              <a:t>DI is a technique used to implement IoC. It involves providing an object’s dependencies from an external source, instead of having the object instantiate its own dependencies. DI promotes separation of concerns, which makes the code more modular and testable</a:t>
+            </a:r>
+          </a:p>
+          <a:p>
+            <a:r>
+              <a:rPr lang="en-US" dirty="0"/>
+              <a:t>2 ways in Spring to perform DI</a:t>
+            </a:r>
+          </a:p>
+          <a:p>
+            <a:pPr lvl="1"/>
+            <a:r>
+              <a:rPr lang="en-US" dirty="0"/>
+              <a:t>Constructor injection: Dependencies are provided to an object at the time of its construction through its constructor</a:t>
+            </a:r>
+          </a:p>
+          <a:p>
+            <a:pPr lvl="1"/>
+            <a:r>
+              <a:rPr lang="en-US" dirty="0"/>
+              <a:t>Setter injection: Dependencies are provided to an object after it has already been constructed through its setter methods</a:t>
+            </a:r>
+          </a:p>
+          <a:p>
+            <a:pPr marL="0" indent="0">
+              <a:buNone/>
+            </a:pPr>
+            <a:endParaRPr lang="en-US" dirty="0"/>
+          </a:p>
+        </p:txBody>
+      </p:sp>
+    </p:spTree>
+    <p:extLst>
+      <p:ext uri="{BB962C8B-B14F-4D97-AF65-F5344CB8AC3E}">
+        <p14:creationId xmlns:p14="http://schemas.microsoft.com/office/powerpoint/2010/main" val="4231549544"/>
+      </p:ext>
+    </p:extLst>
+  </p:cSld>
+  <p:clrMapOvr>
+    <a:masterClrMapping/>
+  </p:clrMapOvr>
+</p:sld>
+</file>
+
+<file path=ppt/slides/slide6.xml><?xml version="1.0" encoding="utf-8"?>
+<p:sld xmlns:a="http://schemas.openxmlformats.org/drawingml/2006/main" xmlns:r="http://schemas.openxmlformats.org/officeDocument/2006/relationships" xmlns:p="http://schemas.openxmlformats.org/presentationml/2006/main">
+  <p:cSld>
+    <p:spTree>
+      <p:nvGrpSpPr>
+        <p:cNvPr id="1" name=""/>
+        <p:cNvGrpSpPr/>
+        <p:nvPr/>
+      </p:nvGrpSpPr>
+      <p:grpSpPr>
+        <a:xfrm>
+          <a:off x="0" y="0"/>
+          <a:ext cx="0" cy="0"/>
+          <a:chOff x="0" y="0"/>
+          <a:chExt cx="0" cy="0"/>
+        </a:xfrm>
+      </p:grpSpPr>
+      <p:sp>
+        <p:nvSpPr>
+          <p:cNvPr id="2" name="Title 1">
+            <a:extLst>
+              <a:ext uri="{FF2B5EF4-FFF2-40B4-BE49-F238E27FC236}">
                 <a16:creationId xmlns:a16="http://schemas.microsoft.com/office/drawing/2014/main" id="{0462A4DA-C82B-4F26-0465-E21D95A48078}"/>
               </a:ext>
             </a:extLst>
@@ -4011,6 +4205,304 @@
     <p:extLst>
       <p:ext uri="{BB962C8B-B14F-4D97-AF65-F5344CB8AC3E}">
         <p14:creationId xmlns:p14="http://schemas.microsoft.com/office/powerpoint/2010/main" val="2545129334"/>
+      </p:ext>
+    </p:extLst>
+  </p:cSld>
+  <p:clrMapOvr>
+    <a:masterClrMapping/>
+  </p:clrMapOvr>
+</p:sld>
+</file>
+
+<file path=ppt/slides/slide7.xml><?xml version="1.0" encoding="utf-8"?>
+<p:sld xmlns:a="http://schemas.openxmlformats.org/drawingml/2006/main" xmlns:r="http://schemas.openxmlformats.org/officeDocument/2006/relationships" xmlns:p="http://schemas.openxmlformats.org/presentationml/2006/main">
+  <p:cSld>
+    <p:spTree>
+      <p:nvGrpSpPr>
+        <p:cNvPr id="1" name=""/>
+        <p:cNvGrpSpPr/>
+        <p:nvPr/>
+      </p:nvGrpSpPr>
+      <p:grpSpPr>
+        <a:xfrm>
+          <a:off x="0" y="0"/>
+          <a:ext cx="0" cy="0"/>
+          <a:chOff x="0" y="0"/>
+          <a:chExt cx="0" cy="0"/>
+        </a:xfrm>
+      </p:grpSpPr>
+      <p:sp>
+        <p:nvSpPr>
+          <p:cNvPr id="2" name="Title 1">
+            <a:extLst>
+              <a:ext uri="{FF2B5EF4-FFF2-40B4-BE49-F238E27FC236}">
+                <a16:creationId xmlns:a16="http://schemas.microsoft.com/office/drawing/2014/main" id="{A68CDAAE-5ECB-C346-B5F7-31353EA294C7}"/>
+              </a:ext>
+            </a:extLst>
+          </p:cNvPr>
+          <p:cNvSpPr>
+            <a:spLocks noGrp="1"/>
+          </p:cNvSpPr>
+          <p:nvPr>
+            <p:ph type="title"/>
+          </p:nvPr>
+        </p:nvSpPr>
+        <p:spPr/>
+        <p:txBody>
+          <a:bodyPr/>
+          <a:lstStyle/>
+          <a:p>
+            <a:r>
+              <a:rPr lang="en-US" dirty="0"/>
+              <a:t>Review of Database Connectivity Technologies</a:t>
+            </a:r>
+          </a:p>
+        </p:txBody>
+      </p:sp>
+      <p:sp>
+        <p:nvSpPr>
+          <p:cNvPr id="3" name="Content Placeholder 2">
+            <a:extLst>
+              <a:ext uri="{FF2B5EF4-FFF2-40B4-BE49-F238E27FC236}">
+                <a16:creationId xmlns:a16="http://schemas.microsoft.com/office/drawing/2014/main" id="{51752230-AAAC-9C16-310D-1506EB269C4A}"/>
+              </a:ext>
+            </a:extLst>
+          </p:cNvPr>
+          <p:cNvSpPr>
+            <a:spLocks noGrp="1"/>
+          </p:cNvSpPr>
+          <p:nvPr>
+            <p:ph idx="1"/>
+          </p:nvPr>
+        </p:nvSpPr>
+        <p:spPr/>
+        <p:txBody>
+          <a:bodyPr>
+            <a:normAutofit fontScale="85000" lnSpcReduction="10000"/>
+          </a:bodyPr>
+          <a:lstStyle/>
+          <a:p>
+            <a:r>
+              <a:rPr lang="en-US" dirty="0"/>
+              <a:t>JDBC (Java Database Connectivity): JDBC is a low-level API that provides a standard way to interact with relational databases. It allows for a program to execute SQL queries, update records, and manage transactions</a:t>
+            </a:r>
+          </a:p>
+          <a:p>
+            <a:pPr lvl="1"/>
+            <a:r>
+              <a:rPr lang="en-US" dirty="0"/>
+              <a:t>The downside is we need to write a lot of boilerplate code to do any database operation</a:t>
+            </a:r>
+          </a:p>
+          <a:p>
+            <a:r>
+              <a:rPr lang="en-US" dirty="0"/>
+              <a:t>Hibernate: an Object-Relational Mapping (ORM) framework that simplifies database operations by mapping Java objects to database tables. It provides a higher-level API than JDBC, making it much easier to work with databases. Hibernate is built on top of JDBC and uses it to communicate with the database</a:t>
+            </a:r>
+          </a:p>
+          <a:p>
+            <a:r>
+              <a:rPr lang="en-US" dirty="0"/>
+              <a:t>JPA (Java Persistence API): JPA is a Java specification that provides a standardized API for ORM frameworks such as Hibernate. It defines a set of annotations and interfaces that allow developers to persist Java objects into a relational database. Hibernate is the most popular implementation of the JPA standard</a:t>
+            </a:r>
+          </a:p>
+        </p:txBody>
+      </p:sp>
+    </p:spTree>
+    <p:extLst>
+      <p:ext uri="{BB962C8B-B14F-4D97-AF65-F5344CB8AC3E}">
+        <p14:creationId xmlns:p14="http://schemas.microsoft.com/office/powerpoint/2010/main" val="1569573539"/>
+      </p:ext>
+    </p:extLst>
+  </p:cSld>
+  <p:clrMapOvr>
+    <a:masterClrMapping/>
+  </p:clrMapOvr>
+</p:sld>
+</file>
+
+<file path=ppt/slides/slide8.xml><?xml version="1.0" encoding="utf-8"?>
+<p:sld xmlns:a="http://schemas.openxmlformats.org/drawingml/2006/main" xmlns:r="http://schemas.openxmlformats.org/officeDocument/2006/relationships" xmlns:p="http://schemas.openxmlformats.org/presentationml/2006/main">
+  <p:cSld>
+    <p:spTree>
+      <p:nvGrpSpPr>
+        <p:cNvPr id="1" name=""/>
+        <p:cNvGrpSpPr/>
+        <p:nvPr/>
+      </p:nvGrpSpPr>
+      <p:grpSpPr>
+        <a:xfrm>
+          <a:off x="0" y="0"/>
+          <a:ext cx="0" cy="0"/>
+          <a:chOff x="0" y="0"/>
+          <a:chExt cx="0" cy="0"/>
+        </a:xfrm>
+      </p:grpSpPr>
+      <p:sp>
+        <p:nvSpPr>
+          <p:cNvPr id="2" name="Title 1">
+            <a:extLst>
+              <a:ext uri="{FF2B5EF4-FFF2-40B4-BE49-F238E27FC236}">
+                <a16:creationId xmlns:a16="http://schemas.microsoft.com/office/drawing/2014/main" id="{AEA04998-2102-96FF-6524-0878A99A30E5}"/>
+              </a:ext>
+            </a:extLst>
+          </p:cNvPr>
+          <p:cNvSpPr>
+            <a:spLocks noGrp="1"/>
+          </p:cNvSpPr>
+          <p:nvPr>
+            <p:ph type="title"/>
+          </p:nvPr>
+        </p:nvSpPr>
+        <p:spPr/>
+        <p:txBody>
+          <a:bodyPr/>
+          <a:lstStyle/>
+          <a:p>
+            <a:r>
+              <a:rPr lang="en-US" dirty="0"/>
+              <a:t>Spring Data JPA</a:t>
+            </a:r>
+          </a:p>
+        </p:txBody>
+      </p:sp>
+      <p:sp>
+        <p:nvSpPr>
+          <p:cNvPr id="3" name="Content Placeholder 2">
+            <a:extLst>
+              <a:ext uri="{FF2B5EF4-FFF2-40B4-BE49-F238E27FC236}">
+                <a16:creationId xmlns:a16="http://schemas.microsoft.com/office/drawing/2014/main" id="{001C15C6-DE70-9EC5-2FE8-501AE0DD1FD4}"/>
+              </a:ext>
+            </a:extLst>
+          </p:cNvPr>
+          <p:cNvSpPr>
+            <a:spLocks noGrp="1"/>
+          </p:cNvSpPr>
+          <p:nvPr>
+            <p:ph idx="1"/>
+          </p:nvPr>
+        </p:nvSpPr>
+        <p:spPr>
+          <a:xfrm>
+            <a:off x="838200" y="1482725"/>
+            <a:ext cx="10515600" cy="4351338"/>
+          </a:xfrm>
+        </p:spPr>
+        <p:txBody>
+          <a:bodyPr>
+            <a:normAutofit fontScale="92500" lnSpcReduction="20000"/>
+          </a:bodyPr>
+          <a:lstStyle/>
+          <a:p>
+            <a:r>
+              <a:rPr lang="en-US" dirty="0"/>
+              <a:t>Spring Data JPA builds on top of JPA and Hibernate, providing a higher level of abstraction by introducing the concept of “repositories”. Repositories are interfaces that extend the Spring Data JPA specific interfaces, allowing us to define custom methods without writing any implementation code</a:t>
+            </a:r>
+          </a:p>
+          <a:p>
+            <a:pPr lvl="1"/>
+            <a:r>
+              <a:rPr lang="en-US" dirty="0"/>
+              <a:t>The implementation for the custom methods is generated automatically by Spring Data JPA based on the method naming conventions</a:t>
+            </a:r>
+          </a:p>
+          <a:p>
+            <a:r>
+              <a:rPr lang="en-US" dirty="0"/>
+              <a:t>Key interfaces</a:t>
+            </a:r>
+          </a:p>
+          <a:p>
+            <a:pPr lvl="1"/>
+            <a:r>
+              <a:rPr lang="en-US" b="1" dirty="0" err="1"/>
+              <a:t>JpaRepository</a:t>
+            </a:r>
+            <a:r>
+              <a:rPr lang="en-US" b="1" dirty="0"/>
+              <a:t> interface</a:t>
+            </a:r>
+            <a:r>
+              <a:rPr lang="en-US" dirty="0"/>
+              <a:t>: Provides basic CRUD operations as well as pagination and sorting functionality. It extends the </a:t>
+            </a:r>
+            <a:r>
+              <a:rPr lang="en-US" dirty="0" err="1"/>
+              <a:t>CrudRepository</a:t>
+            </a:r>
+            <a:r>
+              <a:rPr lang="en-US" dirty="0"/>
+              <a:t> and </a:t>
+            </a:r>
+            <a:r>
+              <a:rPr lang="en-US" dirty="0" err="1"/>
+              <a:t>PagingAndSortingRepository</a:t>
+            </a:r>
+            <a:r>
+              <a:rPr lang="en-US" dirty="0"/>
+              <a:t> interfaces. </a:t>
+            </a:r>
+            <a:r>
+              <a:rPr lang="en-US" dirty="0" err="1"/>
+              <a:t>JpaRepository</a:t>
+            </a:r>
+            <a:r>
+              <a:rPr lang="en-US" dirty="0"/>
+              <a:t> also inherits the </a:t>
+            </a:r>
+            <a:r>
+              <a:rPr lang="en-US" dirty="0" err="1"/>
+              <a:t>JpaSpecificationExecutor</a:t>
+            </a:r>
+            <a:r>
+              <a:rPr lang="en-US" dirty="0"/>
+              <a:t> interface, which adds support for query specifications (allows us to use the Criteria API)</a:t>
+            </a:r>
+          </a:p>
+          <a:p>
+            <a:pPr lvl="1"/>
+            <a:r>
+              <a:rPr lang="en-US" dirty="0" err="1"/>
+              <a:t>PagingAndSortingRepository</a:t>
+            </a:r>
+            <a:r>
+              <a:rPr lang="en-US" dirty="0"/>
+              <a:t> interface: This interface extends </a:t>
+            </a:r>
+            <a:r>
+              <a:rPr lang="en-US" dirty="0" err="1"/>
+              <a:t>CrudRepository</a:t>
+            </a:r>
+            <a:r>
+              <a:rPr lang="en-US" dirty="0"/>
+              <a:t> and provides methods to support pagination and sorting of records</a:t>
+            </a:r>
+          </a:p>
+          <a:p>
+            <a:pPr lvl="1"/>
+            <a:r>
+              <a:rPr lang="en-US" dirty="0" err="1"/>
+              <a:t>CrudRepository</a:t>
+            </a:r>
+            <a:r>
+              <a:rPr lang="en-US" dirty="0"/>
+              <a:t> interface: This interface provides basic CRUD operations for a specific entity type, such as the save, delete, and find methods</a:t>
+            </a:r>
+          </a:p>
+          <a:p>
+            <a:pPr lvl="1"/>
+            <a:endParaRPr lang="en-US" dirty="0"/>
+          </a:p>
+          <a:p>
+            <a:pPr lvl="1"/>
+            <a:endParaRPr lang="en-US" dirty="0"/>
+          </a:p>
+        </p:txBody>
+      </p:sp>
+    </p:spTree>
+    <p:extLst>
+      <p:ext uri="{BB962C8B-B14F-4D97-AF65-F5344CB8AC3E}">
+        <p14:creationId xmlns:p14="http://schemas.microsoft.com/office/powerpoint/2010/main" val="547204914"/>
       </p:ext>
     </p:extLst>
   </p:cSld>
